--- a/ss2012_slide_meister.pptx
+++ b/ss2012_slide_meister.pptx
@@ -2866,11 +2866,7 @@
             </a:r>
             <a:r>
               <a:rPr kumimoji="1" lang="ja-JP" altLang="en-US" dirty="0" smtClean="0"/>
-              <a:t>されたことを聞く度に、この仕事をしていてよかったと感じるんです。</a:t>
-            </a:r>
-            <a:r>
-              <a:rPr kumimoji="1" lang="ja-JP" altLang="en-US" dirty="0" smtClean="0"/>
-              <a:t>」</a:t>
+              <a:t>されたことを聞く度に、この仕事をしていてよかったと感じるんです。」</a:t>
             </a:r>
             <a:endParaRPr kumimoji="1" lang="en-US" altLang="ja-JP" dirty="0" smtClean="0"/>
           </a:p>
@@ -3610,11 +3606,7 @@
           <a:p>
             <a:r>
               <a:rPr lang="ja-JP" altLang="en-US" dirty="0" smtClean="0"/>
-              <a:t>最大</a:t>
-            </a:r>
-            <a:r>
-              <a:rPr lang="ja-JP" altLang="en-US" dirty="0" smtClean="0"/>
-              <a:t>エントロピー法：概略</a:t>
+              <a:t>最大エントロピー法：概略</a:t>
             </a:r>
             <a:endParaRPr lang="ja-JP" altLang="en-US" dirty="0"/>
           </a:p>
@@ -3986,11 +3978,7 @@
           <a:p>
             <a:r>
               <a:rPr kumimoji="1" lang="ja-JP" altLang="en-US" dirty="0" smtClean="0"/>
-              <a:t>最大</a:t>
-            </a:r>
-            <a:r>
-              <a:rPr kumimoji="1" lang="ja-JP" altLang="en-US" dirty="0" smtClean="0"/>
-              <a:t>エントロピー法：例題</a:t>
+              <a:t>最大エントロピー法：例題</a:t>
             </a:r>
             <a:endParaRPr kumimoji="1" lang="ja-JP" altLang="en-US" dirty="0"/>
           </a:p>
@@ -4265,11 +4253,7 @@
           <a:p>
             <a:r>
               <a:rPr kumimoji="1" lang="ja-JP" altLang="en-US" dirty="0" smtClean="0"/>
-              <a:t>最大</a:t>
-            </a:r>
-            <a:r>
-              <a:rPr kumimoji="1" lang="ja-JP" altLang="en-US" dirty="0" smtClean="0"/>
-              <a:t>エントロピー法：例題</a:t>
+              <a:t>最大エントロピー法：例題</a:t>
             </a:r>
             <a:endParaRPr kumimoji="1" lang="ja-JP" altLang="en-US" dirty="0"/>
           </a:p>
@@ -4315,7 +4299,15 @@
             </a:r>
             <a:r>
               <a:rPr kumimoji="1" lang="ja-JP" altLang="en-US" dirty="0" smtClean="0"/>
-              <a:t>ベクトルとそのラベル</a:t>
+              <a:t>ベクトル</a:t>
+            </a:r>
+            <a:r>
+              <a:rPr kumimoji="1" lang="en-US" altLang="ja-JP" b="1" dirty="0" smtClean="0"/>
+              <a:t>x</a:t>
+            </a:r>
+            <a:r>
+              <a:rPr kumimoji="1" lang="ja-JP" altLang="en-US" dirty="0" smtClean="0"/>
+              <a:t>とそのラベル</a:t>
             </a:r>
             <a:r>
               <a:rPr kumimoji="1" lang="en-US" altLang="ja-JP" dirty="0" smtClean="0"/>
@@ -4327,7 +4319,7 @@
             </a:r>
             <a:r>
               <a:rPr kumimoji="1" lang="en-US" altLang="ja-JP" dirty="0" smtClean="0"/>
-              <a:t>)</a:t>
+              <a:t>)y</a:t>
             </a:r>
             <a:r>
               <a:rPr kumimoji="1" lang="ja-JP" altLang="en-US" dirty="0" smtClean="0"/>
@@ -4346,16 +4338,12 @@
               <a:t>: </a:t>
             </a:r>
             <a:r>
-              <a:rPr kumimoji="1" lang="en-US" altLang="ja-JP" dirty="0" err="1" smtClean="0"/>
-              <a:t>φ</a:t>
-            </a:r>
-            <a:r>
-              <a:rPr kumimoji="1" lang="en-US" altLang="ja-JP" dirty="0"/>
-              <a:t>(</a:t>
+              <a:rPr kumimoji="1" lang="en-US" altLang="ja-JP" b="1" dirty="0"/>
+              <a:t>x</a:t>
             </a:r>
             <a:r>
               <a:rPr kumimoji="1" lang="en-US" altLang="ja-JP" dirty="0" smtClean="0"/>
-              <a:t>φ1,φ2,…φ9)</a:t>
+              <a:t>(x1,x2,…x9)</a:t>
             </a:r>
             <a:r>
               <a:rPr kumimoji="1" lang="ja-JP" altLang="en-US" dirty="0" smtClean="0"/>
@@ -4366,8 +4354,12 @@
           <a:p>
             <a:pPr lvl="2"/>
             <a:r>
+              <a:rPr kumimoji="1" lang="en-US" altLang="ja-JP" dirty="0"/>
+              <a:t>x</a:t>
+            </a:r>
+            <a:r>
               <a:rPr kumimoji="1" lang="en-US" altLang="ja-JP" dirty="0" smtClean="0"/>
-              <a:t>φ1 = </a:t>
+              <a:t>1 = </a:t>
             </a:r>
             <a:r>
               <a:rPr kumimoji="1" lang="ja-JP" altLang="en-US" dirty="0" smtClean="0"/>
@@ -4398,7 +4390,7 @@
             </a:br>
             <a:r>
               <a:rPr kumimoji="1" lang="en-US" altLang="ja-JP" dirty="0" smtClean="0"/>
-              <a:t>φ2 </a:t>
+              <a:t>x2 </a:t>
             </a:r>
             <a:r>
               <a:rPr kumimoji="1" lang="en-US" altLang="ja-JP" dirty="0"/>
@@ -4440,8 +4432,12 @@
               <a:rPr kumimoji="1" lang="en-US" altLang="ja-JP" dirty="0"/>
             </a:br>
             <a:r>
+              <a:rPr kumimoji="1" lang="en-US" altLang="ja-JP" dirty="0"/>
+              <a:t>x</a:t>
+            </a:r>
+            <a:r>
               <a:rPr kumimoji="1" lang="en-US" altLang="ja-JP" dirty="0" smtClean="0"/>
-              <a:t>φ3 </a:t>
+              <a:t>3 </a:t>
             </a:r>
             <a:r>
               <a:rPr kumimoji="1" lang="en-US" altLang="ja-JP" dirty="0"/>
@@ -4483,8 +4479,12 @@
               <a:rPr kumimoji="1" lang="en-US" altLang="ja-JP" dirty="0"/>
             </a:br>
             <a:r>
+              <a:rPr kumimoji="1" lang="en-US" altLang="ja-JP" dirty="0"/>
+              <a:t>x</a:t>
+            </a:r>
+            <a:r>
               <a:rPr kumimoji="1" lang="en-US" altLang="ja-JP" dirty="0" smtClean="0"/>
-              <a:t>φ4 </a:t>
+              <a:t>4 </a:t>
             </a:r>
             <a:r>
               <a:rPr kumimoji="1" lang="en-US" altLang="ja-JP" dirty="0"/>
@@ -4522,8 +4522,12 @@
               <a:rPr kumimoji="1" lang="en-US" altLang="ja-JP" dirty="0"/>
             </a:br>
             <a:r>
+              <a:rPr kumimoji="1" lang="en-US" altLang="ja-JP" dirty="0"/>
+              <a:t>x</a:t>
+            </a:r>
+            <a:r>
               <a:rPr kumimoji="1" lang="en-US" altLang="ja-JP" dirty="0" smtClean="0"/>
-              <a:t>φ5 </a:t>
+              <a:t>5 </a:t>
             </a:r>
             <a:r>
               <a:rPr kumimoji="1" lang="en-US" altLang="ja-JP" dirty="0"/>
@@ -4565,8 +4569,12 @@
               <a:rPr kumimoji="1" lang="en-US" altLang="ja-JP" dirty="0"/>
             </a:br>
             <a:r>
+              <a:rPr kumimoji="1" lang="en-US" altLang="ja-JP" dirty="0"/>
+              <a:t>x</a:t>
+            </a:r>
+            <a:r>
               <a:rPr kumimoji="1" lang="en-US" altLang="ja-JP" dirty="0" smtClean="0"/>
-              <a:t>φ6 </a:t>
+              <a:t>6 </a:t>
             </a:r>
             <a:r>
               <a:rPr kumimoji="1" lang="en-US" altLang="ja-JP" dirty="0"/>
@@ -4608,8 +4616,12 @@
               <a:rPr kumimoji="1" lang="en-US" altLang="ja-JP" dirty="0"/>
             </a:br>
             <a:r>
+              <a:rPr kumimoji="1" lang="en-US" altLang="ja-JP" dirty="0"/>
+              <a:t>x</a:t>
+            </a:r>
+            <a:r>
               <a:rPr kumimoji="1" lang="en-US" altLang="ja-JP" dirty="0" smtClean="0"/>
-              <a:t>φ7 </a:t>
+              <a:t>7 </a:t>
             </a:r>
             <a:r>
               <a:rPr kumimoji="1" lang="en-US" altLang="ja-JP" dirty="0"/>
@@ -4647,8 +4659,12 @@
               <a:rPr kumimoji="1" lang="en-US" altLang="ja-JP" dirty="0"/>
             </a:br>
             <a:r>
+              <a:rPr kumimoji="1" lang="en-US" altLang="ja-JP" dirty="0"/>
+              <a:t>x</a:t>
+            </a:r>
+            <a:r>
               <a:rPr kumimoji="1" lang="en-US" altLang="ja-JP" dirty="0" smtClean="0"/>
-              <a:t>φ8 </a:t>
+              <a:t>8 </a:t>
             </a:r>
             <a:r>
               <a:rPr kumimoji="1" lang="en-US" altLang="ja-JP" dirty="0"/>
@@ -4690,8 +4706,12 @@
               <a:rPr kumimoji="1" lang="en-US" altLang="ja-JP" dirty="0"/>
             </a:br>
             <a:r>
+              <a:rPr kumimoji="1" lang="en-US" altLang="ja-JP" dirty="0"/>
+              <a:t>x</a:t>
+            </a:r>
+            <a:r>
               <a:rPr kumimoji="1" lang="en-US" altLang="ja-JP" dirty="0" smtClean="0"/>
-              <a:t>φ9 </a:t>
+              <a:t>9 </a:t>
             </a:r>
             <a:r>
               <a:rPr kumimoji="1" lang="en-US" altLang="ja-JP" dirty="0"/>
@@ -4739,7 +4759,7 @@
             </a:r>
             <a:r>
               <a:rPr kumimoji="1" lang="en-US" altLang="ja-JP" dirty="0" smtClean="0"/>
-              <a:t> = (1,0,1,0,0,0,0,1,0), label: N</a:t>
+              <a:t> = (1,0,1,0,0,0,0,1,0), label y: N</a:t>
             </a:r>
             <a:r>
               <a:rPr kumimoji="1" lang="ja-JP" altLang="en-US" dirty="0" err="1" smtClean="0"/>
@@ -4774,7 +4794,15 @@
             </a:r>
             <a:r>
               <a:rPr kumimoji="1" lang="en-US" altLang="ja-JP" dirty="0"/>
-              <a:t>), label: N</a:t>
+              <a:t>), </a:t>
+            </a:r>
+            <a:r>
+              <a:rPr kumimoji="1" lang="en-US" altLang="ja-JP" dirty="0" smtClean="0"/>
+              <a:t>label y: </a:t>
+            </a:r>
+            <a:r>
+              <a:rPr kumimoji="1" lang="en-US" altLang="ja-JP" dirty="0"/>
+              <a:t>N</a:t>
             </a:r>
             <a:r>
               <a:rPr kumimoji="1" lang="ja-JP" altLang="en-US" dirty="0" err="1" smtClean="0"/>
@@ -4901,11 +4929,7 @@
           <a:p>
             <a:r>
               <a:rPr kumimoji="1" lang="ja-JP" altLang="en-US" dirty="0" smtClean="0"/>
-              <a:t>最大</a:t>
-            </a:r>
-            <a:r>
-              <a:rPr kumimoji="1" lang="ja-JP" altLang="en-US" dirty="0" smtClean="0"/>
-              <a:t>エントロピー法：分類・まとめ</a:t>
+              <a:t>最大エントロピー法：分類・まとめ</a:t>
             </a:r>
             <a:endParaRPr kumimoji="1" lang="ja-JP" altLang="en-US" dirty="0"/>
           </a:p>
@@ -6809,14 +6833,6 @@
               </a:rPr>
               <a:t>words = [“The”, “cat”, “is”, …]</a:t>
             </a:r>
-            <a:r>
-              <a:rPr lang="en-US" altLang="ja-JP" sz="2400" dirty="0">
-                <a:latin typeface="Consolas" pitchFamily="49" charset="0"/>
-                <a:cs typeface="Consolas" pitchFamily="49" charset="0"/>
-                <a:sym typeface="Helvetica" charset="0"/>
-              </a:rPr>
-              <a:t/>
-            </a:r>
             <a:br>
               <a:rPr lang="en-US" altLang="ja-JP" sz="2400" dirty="0">
                 <a:latin typeface="Consolas" pitchFamily="49" charset="0"/>
@@ -7027,15 +7043,7 @@
             <a:pPr lvl="1"/>
             <a:r>
               <a:rPr kumimoji="1" lang="ja-JP" altLang="en-US" dirty="0" smtClean="0"/>
-              <a:t>テストデータが学習データに含まれる</a:t>
-            </a:r>
-            <a:r>
-              <a:rPr kumimoji="1" lang="ja-JP" altLang="en-US" dirty="0" smtClean="0"/>
-              <a:t>と何がまずい</a:t>
-            </a:r>
-            <a:r>
-              <a:rPr kumimoji="1" lang="ja-JP" altLang="en-US" dirty="0" smtClean="0"/>
-              <a:t>？</a:t>
+              <a:t>テストデータが学習データに含まれると何がまずい？</a:t>
             </a:r>
             <a:endParaRPr kumimoji="1" lang="en-US" altLang="ja-JP" dirty="0" smtClean="0"/>
           </a:p>
@@ -7073,23 +7081,7 @@
             </a:br>
             <a:r>
               <a:rPr kumimoji="1" lang="en-US" altLang="ja-JP" dirty="0" smtClean="0"/>
-              <a:t>(num. of correct </a:t>
-            </a:r>
-            <a:r>
-              <a:rPr kumimoji="1" lang="en-US" altLang="ja-JP" dirty="0" smtClean="0"/>
-              <a:t>output) </a:t>
-            </a:r>
-            <a:r>
-              <a:rPr kumimoji="1" lang="en-US" altLang="ja-JP" dirty="0" smtClean="0"/>
-              <a:t>/ (num. of input </a:t>
-            </a:r>
-            <a:r>
-              <a:rPr kumimoji="1" lang="en-US" altLang="ja-JP" dirty="0" smtClean="0"/>
-              <a:t>instances</a:t>
-            </a:r>
-            <a:r>
-              <a:rPr kumimoji="1" lang="en-US" altLang="ja-JP" dirty="0" smtClean="0"/>
-              <a:t>)</a:t>
+              <a:t>(num. of correct output) / (num. of input instances)</a:t>
             </a:r>
             <a:endParaRPr kumimoji="1" lang="en-US" altLang="ja-JP" dirty="0"/>
           </a:p>
@@ -8555,11 +8547,7 @@
             </a:r>
             <a:r>
               <a:rPr lang="ja-JP" altLang="en-US" dirty="0" smtClean="0"/>
-              <a:t>そして</a:t>
-            </a:r>
-            <a:r>
-              <a:rPr lang="ja-JP" altLang="en-US" dirty="0" smtClean="0"/>
-              <a:t>考える</a:t>
+              <a:t>そして考える</a:t>
             </a:r>
             <a:endParaRPr lang="en-US" altLang="ja-JP" dirty="0" smtClean="0"/>
           </a:p>
@@ -8585,11 +8573,7 @@
             </a:pPr>
             <a:r>
               <a:rPr lang="ja-JP" altLang="en-US" dirty="0" smtClean="0"/>
-              <a:t>より広い範囲の構文的な情報を取り込むとどうなるだろう</a:t>
-            </a:r>
-            <a:r>
-              <a:rPr lang="ja-JP" altLang="en-US" dirty="0" smtClean="0"/>
-              <a:t>か</a:t>
+              <a:t>より広い範囲の構文的な情報を取り込むとどうなるだろうか</a:t>
             </a:r>
             <a:endParaRPr lang="en-US" altLang="ja-JP" dirty="0" smtClean="0"/>
           </a:p>
